--- a/presentations/rxjs-map-operator.pptx
+++ b/presentations/rxjs-map-operator.pptx
@@ -214,7 +214,7 @@
           <a:p>
             <a:fld id="{1C1611CE-420B-4477-8F93-1168B3F1AF50}" type="datetimeFigureOut">
               <a:rPr lang="en-US" smtClean="0"/>
-              <a:t>30-Nov-18</a:t>
+              <a:t>01-Dec-18</a:t>
             </a:fld>
             <a:endParaRPr lang="en-US"/>
           </a:p>
@@ -532,15 +532,7 @@
             </a:r>
             <a:r>
               <a:rPr lang="en-US" baseline="0" dirty="0" smtClean="0"/>
-              <a:t> It’s </a:t>
-            </a:r>
-            <a:r>
-              <a:rPr lang="en-US" baseline="0" dirty="0" smtClean="0"/>
-              <a:t>Dani </a:t>
-            </a:r>
-            <a:r>
-              <a:rPr lang="en-US" baseline="0" dirty="0" smtClean="0"/>
-              <a:t>here. In this tutorial I will show you how to use the RXJS MAP operator. </a:t>
+              <a:t> It’s Dani here. In this tutorial I will show you how to use the RXJS MAP operator. </a:t>
             </a:r>
           </a:p>
           <a:p>
@@ -657,7 +649,15 @@
             </a:r>
             <a:r>
               <a:rPr lang="en-US" baseline="0" dirty="0" smtClean="0"/>
-              <a:t> you have ever used the map function from ECMAScript 2015 over arrays you will be very familiar with it</a:t>
+              <a:t> you have ever used the map function from ECMAScript </a:t>
+            </a:r>
+            <a:r>
+              <a:rPr lang="en-US" baseline="0" dirty="0" smtClean="0"/>
+              <a:t>6 </a:t>
+            </a:r>
+            <a:r>
+              <a:rPr lang="en-US" baseline="0" dirty="0" smtClean="0"/>
+              <a:t>over arrays you will be very familiar with it</a:t>
             </a:r>
             <a:r>
               <a:rPr lang="en-US" dirty="0" smtClean="0"/>
@@ -689,8 +689,17 @@
                 <a:ea typeface="+mn-ea"/>
                 <a:cs typeface="+mn-cs"/>
               </a:rPr>
-              <a:t> to transform a collection of items into a collection of different items. Transforms the items emitted by an Observable by applying a function to each item (or converting from one item type into another). This is one of the most commonly used operators.</a:t>
-            </a:r>
+              <a:t> to transform a collection of items into a collection of different items. </a:t>
+            </a:r>
+            <a:endParaRPr lang="en-US" sz="1200" b="0" i="0" kern="1200" dirty="0" smtClean="0">
+              <a:solidFill>
+                <a:schemeClr val="tx1"/>
+              </a:solidFill>
+              <a:effectLst/>
+              <a:latin typeface="+mn-lt"/>
+              <a:ea typeface="+mn-ea"/>
+              <a:cs typeface="+mn-cs"/>
+            </a:endParaRPr>
           </a:p>
           <a:p>
             <a:pPr marL="0" marR="0" lvl="0" indent="0" algn="l" defTabSz="914400" rtl="0" eaLnBrk="1" fontAlgn="auto" latinLnBrk="0" hangingPunct="1">
@@ -1135,29 +1144,25 @@
             </a:r>
             <a:r>
               <a:rPr lang="en-US" baseline="0" dirty="0" smtClean="0"/>
-              <a:t> let’s see the first demo in Angular application. We will write it from scratch in Angular 7 and we will use Material Design components in order to visualize the result.</a:t>
-            </a:r>
-          </a:p>
-          <a:p>
-            <a:r>
-              <a:rPr lang="en-US" dirty="0" smtClean="0"/>
+              <a:t> let’s see the first demo in Angular </a:t>
+            </a:r>
+            <a:r>
+              <a:rPr lang="en-US" baseline="0" smtClean="0"/>
+              <a:t>application.</a:t>
+            </a:r>
+          </a:p>
+          <a:p>
+            <a:r>
+              <a:rPr lang="en-US" smtClean="0"/>
               <a:t>As</a:t>
             </a:r>
             <a:r>
+              <a:rPr lang="en-US" baseline="0" smtClean="0"/>
+              <a:t> </a:t>
+            </a:r>
+            <a:r>
               <a:rPr lang="en-US" baseline="0" dirty="0" smtClean="0"/>
-              <a:t> in the Marble diagram we will use </a:t>
-            </a:r>
-            <a:r>
-              <a:rPr lang="en-US" baseline="0" smtClean="0"/>
-              <a:t>map </a:t>
-            </a:r>
-            <a:r>
-              <a:rPr lang="en-US" baseline="0" smtClean="0"/>
-              <a:t>operator in </a:t>
-            </a:r>
-            <a:r>
-              <a:rPr lang="en-US" baseline="0" dirty="0" smtClean="0"/>
-              <a:t>order to multiply each number by 10.</a:t>
+              <a:t>in the Marble diagram we will use map operator in order to multiply each number by 10.</a:t>
             </a:r>
             <a:endParaRPr lang="en-US" dirty="0"/>
           </a:p>
